--- a/assets uarm/2024 1/moderna/compendio controles 1 y 2.pptx
+++ b/assets uarm/2024 1/moderna/compendio controles 1 y 2.pptx
@@ -30,6 +30,7 @@
     <p:sldId id="278" r:id="rId24"/>
     <p:sldId id="279" r:id="rId25"/>
     <p:sldId id="280" r:id="rId26"/>
+    <p:sldId id="281" r:id="rId27"/>
   </p:sldIdLst>
   <p:sldSz cx="12192000" cy="6858000"/>
   <p:notesSz cx="6858000" cy="9144000"/>
@@ -267,7 +268,7 @@
           <a:p>
             <a:fld id="{243CFCBA-BAD7-4916-8B7A-8F0A4D8AD39F}" type="datetimeFigureOut">
               <a:rPr lang="es-PE" smtClean="0"/>
-              <a:t>27/05/2024</a:t>
+              <a:t>22/06/2024</a:t>
             </a:fld>
             <a:endParaRPr lang="es-PE"/>
           </a:p>
@@ -437,7 +438,7 @@
           <a:p>
             <a:fld id="{243CFCBA-BAD7-4916-8B7A-8F0A4D8AD39F}" type="datetimeFigureOut">
               <a:rPr lang="es-PE" smtClean="0"/>
-              <a:t>27/05/2024</a:t>
+              <a:t>22/06/2024</a:t>
             </a:fld>
             <a:endParaRPr lang="es-PE"/>
           </a:p>
@@ -617,7 +618,7 @@
           <a:p>
             <a:fld id="{243CFCBA-BAD7-4916-8B7A-8F0A4D8AD39F}" type="datetimeFigureOut">
               <a:rPr lang="es-PE" smtClean="0"/>
-              <a:t>27/05/2024</a:t>
+              <a:t>22/06/2024</a:t>
             </a:fld>
             <a:endParaRPr lang="es-PE"/>
           </a:p>
@@ -787,7 +788,7 @@
           <a:p>
             <a:fld id="{243CFCBA-BAD7-4916-8B7A-8F0A4D8AD39F}" type="datetimeFigureOut">
               <a:rPr lang="es-PE" smtClean="0"/>
-              <a:t>27/05/2024</a:t>
+              <a:t>22/06/2024</a:t>
             </a:fld>
             <a:endParaRPr lang="es-PE"/>
           </a:p>
@@ -1033,7 +1034,7 @@
           <a:p>
             <a:fld id="{243CFCBA-BAD7-4916-8B7A-8F0A4D8AD39F}" type="datetimeFigureOut">
               <a:rPr lang="es-PE" smtClean="0"/>
-              <a:t>27/05/2024</a:t>
+              <a:t>22/06/2024</a:t>
             </a:fld>
             <a:endParaRPr lang="es-PE"/>
           </a:p>
@@ -1265,7 +1266,7 @@
           <a:p>
             <a:fld id="{243CFCBA-BAD7-4916-8B7A-8F0A4D8AD39F}" type="datetimeFigureOut">
               <a:rPr lang="es-PE" smtClean="0"/>
-              <a:t>27/05/2024</a:t>
+              <a:t>22/06/2024</a:t>
             </a:fld>
             <a:endParaRPr lang="es-PE"/>
           </a:p>
@@ -1632,7 +1633,7 @@
           <a:p>
             <a:fld id="{243CFCBA-BAD7-4916-8B7A-8F0A4D8AD39F}" type="datetimeFigureOut">
               <a:rPr lang="es-PE" smtClean="0"/>
-              <a:t>27/05/2024</a:t>
+              <a:t>22/06/2024</a:t>
             </a:fld>
             <a:endParaRPr lang="es-PE"/>
           </a:p>
@@ -1750,7 +1751,7 @@
           <a:p>
             <a:fld id="{243CFCBA-BAD7-4916-8B7A-8F0A4D8AD39F}" type="datetimeFigureOut">
               <a:rPr lang="es-PE" smtClean="0"/>
-              <a:t>27/05/2024</a:t>
+              <a:t>22/06/2024</a:t>
             </a:fld>
             <a:endParaRPr lang="es-PE"/>
           </a:p>
@@ -1845,7 +1846,7 @@
           <a:p>
             <a:fld id="{243CFCBA-BAD7-4916-8B7A-8F0A4D8AD39F}" type="datetimeFigureOut">
               <a:rPr lang="es-PE" smtClean="0"/>
-              <a:t>27/05/2024</a:t>
+              <a:t>22/06/2024</a:t>
             </a:fld>
             <a:endParaRPr lang="es-PE"/>
           </a:p>
@@ -2122,7 +2123,7 @@
           <a:p>
             <a:fld id="{243CFCBA-BAD7-4916-8B7A-8F0A4D8AD39F}" type="datetimeFigureOut">
               <a:rPr lang="es-PE" smtClean="0"/>
-              <a:t>27/05/2024</a:t>
+              <a:t>22/06/2024</a:t>
             </a:fld>
             <a:endParaRPr lang="es-PE"/>
           </a:p>
@@ -2375,7 +2376,7 @@
           <a:p>
             <a:fld id="{243CFCBA-BAD7-4916-8B7A-8F0A4D8AD39F}" type="datetimeFigureOut">
               <a:rPr lang="es-PE" smtClean="0"/>
-              <a:t>27/05/2024</a:t>
+              <a:t>22/06/2024</a:t>
             </a:fld>
             <a:endParaRPr lang="es-PE"/>
           </a:p>
@@ -2588,7 +2589,7 @@
           <a:p>
             <a:fld id="{243CFCBA-BAD7-4916-8B7A-8F0A4D8AD39F}" type="datetimeFigureOut">
               <a:rPr lang="es-PE" smtClean="0"/>
-              <a:t>27/05/2024</a:t>
+              <a:t>22/06/2024</a:t>
             </a:fld>
             <a:endParaRPr lang="es-PE"/>
           </a:p>
@@ -4907,6 +4908,239 @@
 </p:sld>
 </file>
 
+<file path=ppt/slides/slide26.xml><?xml version="1.0" encoding="utf-8"?>
+<p:sld xmlns:a="http://schemas.openxmlformats.org/drawingml/2006/main" xmlns:r="http://schemas.openxmlformats.org/officeDocument/2006/relationships" xmlns:p="http://schemas.openxmlformats.org/presentationml/2006/main">
+  <p:cSld>
+    <p:spTree>
+      <p:nvGrpSpPr>
+        <p:cNvPr id="1" name=""/>
+        <p:cNvGrpSpPr/>
+        <p:nvPr/>
+      </p:nvGrpSpPr>
+      <p:grpSpPr>
+        <a:xfrm>
+          <a:off x="0" y="0"/>
+          <a:ext cx="0" cy="0"/>
+          <a:chOff x="0" y="0"/>
+          <a:chExt cx="0" cy="0"/>
+        </a:xfrm>
+      </p:grpSpPr>
+      <p:pic>
+        <p:nvPicPr>
+          <p:cNvPr id="4" name="Imagen 3"/>
+          <p:cNvPicPr>
+            <a:picLocks noChangeAspect="1"/>
+          </p:cNvPicPr>
+          <p:nvPr/>
+        </p:nvPicPr>
+        <p:blipFill>
+          <a:blip r:embed="rId2"/>
+          <a:stretch>
+            <a:fillRect/>
+          </a:stretch>
+        </p:blipFill>
+        <p:spPr>
+          <a:xfrm>
+            <a:off x="309290" y="154577"/>
+            <a:ext cx="2237967" cy="1034151"/>
+          </a:xfrm>
+          <a:prstGeom prst="rect">
+            <a:avLst/>
+          </a:prstGeom>
+        </p:spPr>
+      </p:pic>
+      <p:sp>
+        <p:nvSpPr>
+          <p:cNvPr id="5" name="CuadroTexto 4"/>
+          <p:cNvSpPr txBox="1"/>
+          <p:nvPr/>
+        </p:nvSpPr>
+        <p:spPr>
+          <a:xfrm>
+            <a:off x="2547257" y="671652"/>
+            <a:ext cx="6400800" cy="1015663"/>
+          </a:xfrm>
+          <a:prstGeom prst="rect">
+            <a:avLst/>
+          </a:prstGeom>
+          <a:noFill/>
+        </p:spPr>
+        <p:txBody>
+          <a:bodyPr wrap="square" rtlCol="0">
+            <a:spAutoFit/>
+          </a:bodyPr>
+          <a:lstStyle/>
+          <a:p>
+            <a:pPr algn="ctr"/>
+            <a:r>
+              <a:rPr lang="es-PE" dirty="0" smtClean="0"/>
+              <a:t>Historia de la Filosofía Moderna</a:t>
+            </a:r>
+          </a:p>
+          <a:p>
+            <a:pPr algn="ctr"/>
+            <a:endParaRPr lang="es-PE" dirty="0"/>
+          </a:p>
+          <a:p>
+            <a:pPr algn="ctr"/>
+            <a:r>
+              <a:rPr lang="es-PE" sz="2400" b="1" u="sng" dirty="0" smtClean="0"/>
+              <a:t>3er </a:t>
+            </a:r>
+            <a:r>
+              <a:rPr lang="es-PE" sz="2400" b="1" u="sng" dirty="0" smtClean="0"/>
+              <a:t>Control de Lectura</a:t>
+            </a:r>
+            <a:endParaRPr lang="es-PE" sz="2400" b="1" u="sng" dirty="0"/>
+          </a:p>
+        </p:txBody>
+      </p:sp>
+      <p:sp>
+        <p:nvSpPr>
+          <p:cNvPr id="6" name="CuadroTexto 5"/>
+          <p:cNvSpPr txBox="1"/>
+          <p:nvPr/>
+        </p:nvSpPr>
+        <p:spPr>
+          <a:xfrm>
+            <a:off x="2081565" y="2007621"/>
+            <a:ext cx="7332183" cy="5355312"/>
+          </a:xfrm>
+          <a:prstGeom prst="rect">
+            <a:avLst/>
+          </a:prstGeom>
+          <a:noFill/>
+        </p:spPr>
+        <p:txBody>
+          <a:bodyPr wrap="square" rtlCol="0">
+            <a:spAutoFit/>
+          </a:bodyPr>
+          <a:lstStyle/>
+          <a:p>
+            <a:r>
+              <a:rPr lang="es-PE" dirty="0" smtClean="0"/>
+              <a:t>Textos:</a:t>
+            </a:r>
+            <a:endParaRPr lang="es-PE" dirty="0" smtClean="0"/>
+          </a:p>
+          <a:p>
+            <a:pPr marL="285750" indent="-285750">
+              <a:buFontTx/>
+              <a:buChar char="-"/>
+            </a:pPr>
+            <a:r>
+              <a:rPr lang="es-PE" dirty="0" smtClean="0"/>
+              <a:t>Hume : Investigaciones sobre el entendimiento humano</a:t>
+            </a:r>
+          </a:p>
+          <a:p>
+            <a:pPr marL="285750" indent="-285750">
+              <a:buFontTx/>
+              <a:buChar char="-"/>
+            </a:pPr>
+            <a:r>
+              <a:rPr lang="es-PE" dirty="0" smtClean="0"/>
+              <a:t>Hobbes: </a:t>
+            </a:r>
+            <a:r>
+              <a:rPr lang="es-PE" dirty="0" err="1" smtClean="0"/>
+              <a:t>Leviathán</a:t>
+            </a:r>
+            <a:endParaRPr lang="es-PE" dirty="0" smtClean="0"/>
+          </a:p>
+          <a:p>
+            <a:pPr marL="285750" indent="-285750">
+              <a:buFontTx/>
+              <a:buChar char="-"/>
+            </a:pPr>
+            <a:r>
+              <a:rPr lang="es-PE" dirty="0" smtClean="0"/>
+              <a:t>Locke: Ensayos sobre el entendimiento humano</a:t>
+            </a:r>
+          </a:p>
+          <a:p>
+            <a:pPr marL="285750" indent="-285750">
+              <a:buFontTx/>
+              <a:buChar char="-"/>
+            </a:pPr>
+            <a:r>
+              <a:rPr lang="es-PE" dirty="0" smtClean="0"/>
+              <a:t>Locke: 2ndo tratado del gobierno civil</a:t>
+            </a:r>
+          </a:p>
+          <a:p>
+            <a:pPr marL="285750" indent="-285750">
+              <a:buFontTx/>
+              <a:buChar char="-"/>
+            </a:pPr>
+            <a:r>
+              <a:rPr lang="es-PE" dirty="0" smtClean="0"/>
+              <a:t>Rousseau: El contrato Social</a:t>
+            </a:r>
+          </a:p>
+          <a:p>
+            <a:endParaRPr lang="es-PE" dirty="0" smtClean="0"/>
+          </a:p>
+          <a:p>
+            <a:r>
+              <a:rPr lang="es-PE" dirty="0" smtClean="0"/>
+              <a:t>Indicaciones: </a:t>
+            </a:r>
+          </a:p>
+          <a:p>
+            <a:endParaRPr lang="es-PE" dirty="0"/>
+          </a:p>
+          <a:p>
+            <a:r>
+              <a:rPr lang="es-PE" dirty="0" smtClean="0"/>
+              <a:t>Por esta ocasión, por la cantidad abrumadora de textos, les pido que elijan 2 o 3 textos y procedan del mismo modo que hemos venido trabajando: elegir citas específicas y significativas, para luego comentarlas brevemente. </a:t>
+            </a:r>
+          </a:p>
+          <a:p>
+            <a:endParaRPr lang="es-PE" dirty="0"/>
+          </a:p>
+          <a:p>
+            <a:r>
+              <a:rPr lang="es-PE" dirty="0" smtClean="0"/>
+              <a:t>Al final, como siempre, les ofreceré una compilación de los aportes de todos, para tener un material como insumo para sus trabajos finales. </a:t>
+            </a:r>
+            <a:endParaRPr lang="es-PE" dirty="0" smtClean="0"/>
+          </a:p>
+          <a:p>
+            <a:pPr marL="285750" indent="-285750">
+              <a:buFontTx/>
+              <a:buChar char="-"/>
+            </a:pPr>
+            <a:endParaRPr lang="es-PE" dirty="0"/>
+          </a:p>
+          <a:p>
+            <a:pPr marL="285750" indent="-285750">
+              <a:buFontTx/>
+              <a:buChar char="-"/>
+            </a:pPr>
+            <a:endParaRPr lang="es-PE" dirty="0"/>
+          </a:p>
+          <a:p>
+            <a:endParaRPr lang="es-PE" dirty="0" smtClean="0"/>
+          </a:p>
+          <a:p>
+            <a:endParaRPr lang="es-PE" dirty="0" smtClean="0"/>
+          </a:p>
+        </p:txBody>
+      </p:sp>
+    </p:spTree>
+    <p:extLst>
+      <p:ext uri="{BB962C8B-B14F-4D97-AF65-F5344CB8AC3E}">
+        <p14:creationId xmlns:p14="http://schemas.microsoft.com/office/powerpoint/2010/main" val="1284374063"/>
+      </p:ext>
+    </p:extLst>
+  </p:cSld>
+  <p:clrMapOvr>
+    <a:masterClrMapping/>
+  </p:clrMapOvr>
+</p:sld>
+</file>
+
 <file path=ppt/slides/slide3.xml><?xml version="1.0" encoding="utf-8"?>
 <p:sld xmlns:a="http://schemas.openxmlformats.org/drawingml/2006/main" xmlns:r="http://schemas.openxmlformats.org/officeDocument/2006/relationships" xmlns:p="http://schemas.openxmlformats.org/presentationml/2006/main">
   <p:cSld>
